--- a/GROUP 3 -KARU Phase 2 Project.pptx
+++ b/GROUP 3 -KARU Phase 2 Project.pptx
@@ -23,27 +23,20 @@
   <p:notesSz cx="6858000" cy="9144000"/>
   <p:embeddedFontLst>
     <p:embeddedFont>
-      <p:font typeface="TT Interphases Italics" panose="020B0604020202020204" charset="0"/>
+      <p:font typeface="TT Interphases" panose="020B0604020202020204" charset="0"/>
       <p:regular r:id="rId15"/>
     </p:embeddedFont>
     <p:embeddedFont>
-      <p:font typeface="TT Interphases Bold Italics" panose="020B0604020202020204" charset="0"/>
+      <p:font typeface="TT Interphases Bold" panose="020B0604020202020204" charset="0"/>
       <p:regular r:id="rId16"/>
     </p:embeddedFont>
     <p:embeddedFont>
-      <p:font typeface="TT Interphases" panose="020B0604020202020204" charset="0"/>
+      <p:font typeface="TT Interphases Bold Italics" panose="020B0604020202020204" charset="0"/>
       <p:regular r:id="rId17"/>
     </p:embeddedFont>
     <p:embeddedFont>
-      <p:font typeface="TT Interphases Bold" panose="020B0604020202020204" charset="0"/>
+      <p:font typeface="TT Interphases Italics" panose="020B0604020202020204" charset="0"/>
       <p:regular r:id="rId18"/>
-    </p:embeddedFont>
-    <p:embeddedFont>
-      <p:font typeface="Calibri" panose="020F0502020204030204" pitchFamily="34" charset="0"/>
-      <p:regular r:id="rId19"/>
-      <p:bold r:id="rId20"/>
-      <p:italic r:id="rId21"/>
-      <p:boldItalic r:id="rId22"/>
     </p:embeddedFont>
   </p:embeddedFontLst>
   <p:defaultTextStyle>
@@ -198,10 +191,9 @@
           <a:lstStyle/>
           <a:p>
             <a:r>
-              <a:rPr lang="en-US" smtClean="0"/>
+              <a:rPr lang="en-US"/>
               <a:t>Click to edit Master title style</a:t>
             </a:r>
-            <a:endParaRPr lang="en-US"/>
           </a:p>
         </p:txBody>
       </p:sp>
@@ -317,10 +309,9 @@
           </a:lstStyle>
           <a:p>
             <a:r>
-              <a:rPr lang="en-US" smtClean="0"/>
+              <a:rPr lang="en-US"/>
               <a:t>Click to edit Master subtitle style</a:t>
             </a:r>
-            <a:endParaRPr lang="en-US"/>
           </a:p>
         </p:txBody>
       </p:sp>
@@ -342,7 +333,7 @@
             <a:fld id="{1D8BD707-D9CF-40AE-B4C6-C98DA3205C09}" type="datetimeFigureOut">
               <a:rPr lang="en-US" smtClean="0"/>
               <a:pPr/>
-              <a:t>11/14/2025</a:t>
+              <a:t>11/17/2025</a:t>
             </a:fld>
             <a:endParaRPr lang="en-US"/>
           </a:p>
@@ -432,10 +423,9 @@
           <a:lstStyle/>
           <a:p>
             <a:r>
-              <a:rPr lang="en-US" smtClean="0"/>
+              <a:rPr lang="en-US"/>
               <a:t>Click to edit Master title style</a:t>
             </a:r>
-            <a:endParaRPr lang="en-US"/>
           </a:p>
         </p:txBody>
       </p:sp>
@@ -456,38 +446,37 @@
           <a:p>
             <a:pPr lvl="0"/>
             <a:r>
-              <a:rPr lang="en-US" smtClean="0"/>
+              <a:rPr lang="en-US"/>
               <a:t>Click to edit Master text styles</a:t>
             </a:r>
           </a:p>
           <a:p>
             <a:pPr lvl="1"/>
             <a:r>
-              <a:rPr lang="en-US" smtClean="0"/>
+              <a:rPr lang="en-US"/>
               <a:t>Second level</a:t>
             </a:r>
           </a:p>
           <a:p>
             <a:pPr lvl="2"/>
             <a:r>
-              <a:rPr lang="en-US" smtClean="0"/>
+              <a:rPr lang="en-US"/>
               <a:t>Third level</a:t>
             </a:r>
           </a:p>
           <a:p>
             <a:pPr lvl="3"/>
             <a:r>
-              <a:rPr lang="en-US" smtClean="0"/>
+              <a:rPr lang="en-US"/>
               <a:t>Fourth level</a:t>
             </a:r>
           </a:p>
           <a:p>
             <a:pPr lvl="4"/>
             <a:r>
-              <a:rPr lang="en-US" smtClean="0"/>
+              <a:rPr lang="en-US"/>
               <a:t>Fifth level</a:t>
             </a:r>
-            <a:endParaRPr lang="en-US"/>
           </a:p>
         </p:txBody>
       </p:sp>
@@ -509,7 +498,7 @@
             <a:fld id="{1D8BD707-D9CF-40AE-B4C6-C98DA3205C09}" type="datetimeFigureOut">
               <a:rPr lang="en-US" smtClean="0"/>
               <a:pPr/>
-              <a:t>11/14/2025</a:t>
+              <a:t>11/17/2025</a:t>
             </a:fld>
             <a:endParaRPr lang="en-US"/>
           </a:p>
@@ -604,10 +593,9 @@
           <a:lstStyle/>
           <a:p>
             <a:r>
-              <a:rPr lang="en-US" smtClean="0"/>
+              <a:rPr lang="en-US"/>
               <a:t>Click to edit Master title style</a:t>
             </a:r>
-            <a:endParaRPr lang="en-US"/>
           </a:p>
         </p:txBody>
       </p:sp>
@@ -633,38 +621,37 @@
           <a:p>
             <a:pPr lvl="0"/>
             <a:r>
-              <a:rPr lang="en-US" smtClean="0"/>
+              <a:rPr lang="en-US"/>
               <a:t>Click to edit Master text styles</a:t>
             </a:r>
           </a:p>
           <a:p>
             <a:pPr lvl="1"/>
             <a:r>
-              <a:rPr lang="en-US" smtClean="0"/>
+              <a:rPr lang="en-US"/>
               <a:t>Second level</a:t>
             </a:r>
           </a:p>
           <a:p>
             <a:pPr lvl="2"/>
             <a:r>
-              <a:rPr lang="en-US" smtClean="0"/>
+              <a:rPr lang="en-US"/>
               <a:t>Third level</a:t>
             </a:r>
           </a:p>
           <a:p>
             <a:pPr lvl="3"/>
             <a:r>
-              <a:rPr lang="en-US" smtClean="0"/>
+              <a:rPr lang="en-US"/>
               <a:t>Fourth level</a:t>
             </a:r>
           </a:p>
           <a:p>
             <a:pPr lvl="4"/>
             <a:r>
-              <a:rPr lang="en-US" smtClean="0"/>
+              <a:rPr lang="en-US"/>
               <a:t>Fifth level</a:t>
             </a:r>
-            <a:endParaRPr lang="en-US"/>
           </a:p>
         </p:txBody>
       </p:sp>
@@ -686,7 +673,7 @@
             <a:fld id="{1D8BD707-D9CF-40AE-B4C6-C98DA3205C09}" type="datetimeFigureOut">
               <a:rPr lang="en-US" smtClean="0"/>
               <a:pPr/>
-              <a:t>11/14/2025</a:t>
+              <a:t>11/17/2025</a:t>
             </a:fld>
             <a:endParaRPr lang="en-US"/>
           </a:p>
@@ -776,10 +763,9 @@
           <a:lstStyle/>
           <a:p>
             <a:r>
-              <a:rPr lang="en-US" smtClean="0"/>
+              <a:rPr lang="en-US"/>
               <a:t>Click to edit Master title style</a:t>
             </a:r>
-            <a:endParaRPr lang="en-US"/>
           </a:p>
         </p:txBody>
       </p:sp>
@@ -800,38 +786,37 @@
           <a:p>
             <a:pPr lvl="0"/>
             <a:r>
-              <a:rPr lang="en-US" smtClean="0"/>
+              <a:rPr lang="en-US"/>
               <a:t>Click to edit Master text styles</a:t>
             </a:r>
           </a:p>
           <a:p>
             <a:pPr lvl="1"/>
             <a:r>
-              <a:rPr lang="en-US" smtClean="0"/>
+              <a:rPr lang="en-US"/>
               <a:t>Second level</a:t>
             </a:r>
           </a:p>
           <a:p>
             <a:pPr lvl="2"/>
             <a:r>
-              <a:rPr lang="en-US" smtClean="0"/>
+              <a:rPr lang="en-US"/>
               <a:t>Third level</a:t>
             </a:r>
           </a:p>
           <a:p>
             <a:pPr lvl="3"/>
             <a:r>
-              <a:rPr lang="en-US" smtClean="0"/>
+              <a:rPr lang="en-US"/>
               <a:t>Fourth level</a:t>
             </a:r>
           </a:p>
           <a:p>
             <a:pPr lvl="4"/>
             <a:r>
-              <a:rPr lang="en-US" smtClean="0"/>
+              <a:rPr lang="en-US"/>
               <a:t>Fifth level</a:t>
             </a:r>
-            <a:endParaRPr lang="en-US"/>
           </a:p>
         </p:txBody>
       </p:sp>
@@ -853,7 +838,7 @@
             <a:fld id="{1D8BD707-D9CF-40AE-B4C6-C98DA3205C09}" type="datetimeFigureOut">
               <a:rPr lang="en-US" smtClean="0"/>
               <a:pPr/>
-              <a:t>11/14/2025</a:t>
+              <a:t>11/17/2025</a:t>
             </a:fld>
             <a:endParaRPr lang="en-US"/>
           </a:p>
@@ -952,10 +937,9 @@
           </a:lstStyle>
           <a:p>
             <a:r>
-              <a:rPr lang="en-US" smtClean="0"/>
+              <a:rPr lang="en-US"/>
               <a:t>Click to edit Master title style</a:t>
             </a:r>
-            <a:endParaRPr lang="en-US"/>
           </a:p>
         </p:txBody>
       </p:sp>
@@ -1072,7 +1056,7 @@
           <a:p>
             <a:pPr lvl="0"/>
             <a:r>
-              <a:rPr lang="en-US" smtClean="0"/>
+              <a:rPr lang="en-US"/>
               <a:t>Click to edit Master text styles</a:t>
             </a:r>
           </a:p>
@@ -1096,7 +1080,7 @@
             <a:fld id="{1D8BD707-D9CF-40AE-B4C6-C98DA3205C09}" type="datetimeFigureOut">
               <a:rPr lang="en-US" smtClean="0"/>
               <a:pPr/>
-              <a:t>11/14/2025</a:t>
+              <a:t>11/17/2025</a:t>
             </a:fld>
             <a:endParaRPr lang="en-US"/>
           </a:p>
@@ -1186,10 +1170,9 @@
           <a:lstStyle/>
           <a:p>
             <a:r>
-              <a:rPr lang="en-US" smtClean="0"/>
+              <a:rPr lang="en-US"/>
               <a:t>Click to edit Master title style</a:t>
             </a:r>
-            <a:endParaRPr lang="en-US"/>
           </a:p>
         </p:txBody>
       </p:sp>
@@ -1243,38 +1226,37 @@
           <a:p>
             <a:pPr lvl="0"/>
             <a:r>
-              <a:rPr lang="en-US" smtClean="0"/>
+              <a:rPr lang="en-US"/>
               <a:t>Click to edit Master text styles</a:t>
             </a:r>
           </a:p>
           <a:p>
             <a:pPr lvl="1"/>
             <a:r>
-              <a:rPr lang="en-US" smtClean="0"/>
+              <a:rPr lang="en-US"/>
               <a:t>Second level</a:t>
             </a:r>
           </a:p>
           <a:p>
             <a:pPr lvl="2"/>
             <a:r>
-              <a:rPr lang="en-US" smtClean="0"/>
+              <a:rPr lang="en-US"/>
               <a:t>Third level</a:t>
             </a:r>
           </a:p>
           <a:p>
             <a:pPr lvl="3"/>
             <a:r>
-              <a:rPr lang="en-US" smtClean="0"/>
+              <a:rPr lang="en-US"/>
               <a:t>Fourth level</a:t>
             </a:r>
           </a:p>
           <a:p>
             <a:pPr lvl="4"/>
             <a:r>
-              <a:rPr lang="en-US" smtClean="0"/>
+              <a:rPr lang="en-US"/>
               <a:t>Fifth level</a:t>
             </a:r>
-            <a:endParaRPr lang="en-US"/>
           </a:p>
         </p:txBody>
       </p:sp>
@@ -1328,38 +1310,37 @@
           <a:p>
             <a:pPr lvl="0"/>
             <a:r>
-              <a:rPr lang="en-US" smtClean="0"/>
+              <a:rPr lang="en-US"/>
               <a:t>Click to edit Master text styles</a:t>
             </a:r>
           </a:p>
           <a:p>
             <a:pPr lvl="1"/>
             <a:r>
-              <a:rPr lang="en-US" smtClean="0"/>
+              <a:rPr lang="en-US"/>
               <a:t>Second level</a:t>
             </a:r>
           </a:p>
           <a:p>
             <a:pPr lvl="2"/>
             <a:r>
-              <a:rPr lang="en-US" smtClean="0"/>
+              <a:rPr lang="en-US"/>
               <a:t>Third level</a:t>
             </a:r>
           </a:p>
           <a:p>
             <a:pPr lvl="3"/>
             <a:r>
-              <a:rPr lang="en-US" smtClean="0"/>
+              <a:rPr lang="en-US"/>
               <a:t>Fourth level</a:t>
             </a:r>
           </a:p>
           <a:p>
             <a:pPr lvl="4"/>
             <a:r>
-              <a:rPr lang="en-US" smtClean="0"/>
+              <a:rPr lang="en-US"/>
               <a:t>Fifth level</a:t>
             </a:r>
-            <a:endParaRPr lang="en-US"/>
           </a:p>
         </p:txBody>
       </p:sp>
@@ -1381,7 +1362,7 @@
             <a:fld id="{1D8BD707-D9CF-40AE-B4C6-C98DA3205C09}" type="datetimeFigureOut">
               <a:rPr lang="en-US" smtClean="0"/>
               <a:pPr/>
-              <a:t>11/14/2025</a:t>
+              <a:t>11/17/2025</a:t>
             </a:fld>
             <a:endParaRPr lang="en-US"/>
           </a:p>
@@ -1475,10 +1456,9 @@
           </a:lstStyle>
           <a:p>
             <a:r>
-              <a:rPr lang="en-US" smtClean="0"/>
+              <a:rPr lang="en-US"/>
               <a:t>Click to edit Master title style</a:t>
             </a:r>
-            <a:endParaRPr lang="en-US"/>
           </a:p>
         </p:txBody>
       </p:sp>
@@ -1541,7 +1521,7 @@
           <a:p>
             <a:pPr lvl="0"/>
             <a:r>
-              <a:rPr lang="en-US" smtClean="0"/>
+              <a:rPr lang="en-US"/>
               <a:t>Click to edit Master text styles</a:t>
             </a:r>
           </a:p>
@@ -1597,38 +1577,37 @@
           <a:p>
             <a:pPr lvl="0"/>
             <a:r>
-              <a:rPr lang="en-US" smtClean="0"/>
+              <a:rPr lang="en-US"/>
               <a:t>Click to edit Master text styles</a:t>
             </a:r>
           </a:p>
           <a:p>
             <a:pPr lvl="1"/>
             <a:r>
-              <a:rPr lang="en-US" smtClean="0"/>
+              <a:rPr lang="en-US"/>
               <a:t>Second level</a:t>
             </a:r>
           </a:p>
           <a:p>
             <a:pPr lvl="2"/>
             <a:r>
-              <a:rPr lang="en-US" smtClean="0"/>
+              <a:rPr lang="en-US"/>
               <a:t>Third level</a:t>
             </a:r>
           </a:p>
           <a:p>
             <a:pPr lvl="3"/>
             <a:r>
-              <a:rPr lang="en-US" smtClean="0"/>
+              <a:rPr lang="en-US"/>
               <a:t>Fourth level</a:t>
             </a:r>
           </a:p>
           <a:p>
             <a:pPr lvl="4"/>
             <a:r>
-              <a:rPr lang="en-US" smtClean="0"/>
+              <a:rPr lang="en-US"/>
               <a:t>Fifth level</a:t>
             </a:r>
-            <a:endParaRPr lang="en-US"/>
           </a:p>
         </p:txBody>
       </p:sp>
@@ -1691,7 +1670,7 @@
           <a:p>
             <a:pPr lvl="0"/>
             <a:r>
-              <a:rPr lang="en-US" smtClean="0"/>
+              <a:rPr lang="en-US"/>
               <a:t>Click to edit Master text styles</a:t>
             </a:r>
           </a:p>
@@ -1747,38 +1726,37 @@
           <a:p>
             <a:pPr lvl="0"/>
             <a:r>
-              <a:rPr lang="en-US" smtClean="0"/>
+              <a:rPr lang="en-US"/>
               <a:t>Click to edit Master text styles</a:t>
             </a:r>
           </a:p>
           <a:p>
             <a:pPr lvl="1"/>
             <a:r>
-              <a:rPr lang="en-US" smtClean="0"/>
+              <a:rPr lang="en-US"/>
               <a:t>Second level</a:t>
             </a:r>
           </a:p>
           <a:p>
             <a:pPr lvl="2"/>
             <a:r>
-              <a:rPr lang="en-US" smtClean="0"/>
+              <a:rPr lang="en-US"/>
               <a:t>Third level</a:t>
             </a:r>
           </a:p>
           <a:p>
             <a:pPr lvl="3"/>
             <a:r>
-              <a:rPr lang="en-US" smtClean="0"/>
+              <a:rPr lang="en-US"/>
               <a:t>Fourth level</a:t>
             </a:r>
           </a:p>
           <a:p>
             <a:pPr lvl="4"/>
             <a:r>
-              <a:rPr lang="en-US" smtClean="0"/>
+              <a:rPr lang="en-US"/>
               <a:t>Fifth level</a:t>
             </a:r>
-            <a:endParaRPr lang="en-US"/>
           </a:p>
         </p:txBody>
       </p:sp>
@@ -1800,7 +1778,7 @@
             <a:fld id="{1D8BD707-D9CF-40AE-B4C6-C98DA3205C09}" type="datetimeFigureOut">
               <a:rPr lang="en-US" smtClean="0"/>
               <a:pPr/>
-              <a:t>11/14/2025</a:t>
+              <a:t>11/17/2025</a:t>
             </a:fld>
             <a:endParaRPr lang="en-US"/>
           </a:p>
@@ -1890,10 +1868,9 @@
           <a:lstStyle/>
           <a:p>
             <a:r>
-              <a:rPr lang="en-US" smtClean="0"/>
+              <a:rPr lang="en-US"/>
               <a:t>Click to edit Master title style</a:t>
             </a:r>
-            <a:endParaRPr lang="en-US"/>
           </a:p>
         </p:txBody>
       </p:sp>
@@ -1915,7 +1892,7 @@
             <a:fld id="{1D8BD707-D9CF-40AE-B4C6-C98DA3205C09}" type="datetimeFigureOut">
               <a:rPr lang="en-US" smtClean="0"/>
               <a:pPr/>
-              <a:t>11/14/2025</a:t>
+              <a:t>11/17/2025</a:t>
             </a:fld>
             <a:endParaRPr lang="en-US"/>
           </a:p>
@@ -2007,7 +1984,7 @@
             <a:fld id="{1D8BD707-D9CF-40AE-B4C6-C98DA3205C09}" type="datetimeFigureOut">
               <a:rPr lang="en-US" smtClean="0"/>
               <a:pPr/>
-              <a:t>11/14/2025</a:t>
+              <a:t>11/17/2025</a:t>
             </a:fld>
             <a:endParaRPr lang="en-US"/>
           </a:p>
@@ -2106,10 +2083,9 @@
           </a:lstStyle>
           <a:p>
             <a:r>
-              <a:rPr lang="en-US" smtClean="0"/>
+              <a:rPr lang="en-US"/>
               <a:t>Click to edit Master title style</a:t>
             </a:r>
-            <a:endParaRPr lang="en-US"/>
           </a:p>
         </p:txBody>
       </p:sp>
@@ -2163,38 +2139,37 @@
           <a:p>
             <a:pPr lvl="0"/>
             <a:r>
-              <a:rPr lang="en-US" smtClean="0"/>
+              <a:rPr lang="en-US"/>
               <a:t>Click to edit Master text styles</a:t>
             </a:r>
           </a:p>
           <a:p>
             <a:pPr lvl="1"/>
             <a:r>
-              <a:rPr lang="en-US" smtClean="0"/>
+              <a:rPr lang="en-US"/>
               <a:t>Second level</a:t>
             </a:r>
           </a:p>
           <a:p>
             <a:pPr lvl="2"/>
             <a:r>
-              <a:rPr lang="en-US" smtClean="0"/>
+              <a:rPr lang="en-US"/>
               <a:t>Third level</a:t>
             </a:r>
           </a:p>
           <a:p>
             <a:pPr lvl="3"/>
             <a:r>
-              <a:rPr lang="en-US" smtClean="0"/>
+              <a:rPr lang="en-US"/>
               <a:t>Fourth level</a:t>
             </a:r>
           </a:p>
           <a:p>
             <a:pPr lvl="4"/>
             <a:r>
-              <a:rPr lang="en-US" smtClean="0"/>
+              <a:rPr lang="en-US"/>
               <a:t>Fifth level</a:t>
             </a:r>
-            <a:endParaRPr lang="en-US"/>
           </a:p>
         </p:txBody>
       </p:sp>
@@ -2257,7 +2232,7 @@
           <a:p>
             <a:pPr lvl="0"/>
             <a:r>
-              <a:rPr lang="en-US" smtClean="0"/>
+              <a:rPr lang="en-US"/>
               <a:t>Click to edit Master text styles</a:t>
             </a:r>
           </a:p>
@@ -2281,7 +2256,7 @@
             <a:fld id="{1D8BD707-D9CF-40AE-B4C6-C98DA3205C09}" type="datetimeFigureOut">
               <a:rPr lang="en-US" smtClean="0"/>
               <a:pPr/>
-              <a:t>11/14/2025</a:t>
+              <a:t>11/17/2025</a:t>
             </a:fld>
             <a:endParaRPr lang="en-US"/>
           </a:p>
@@ -2380,10 +2355,9 @@
           </a:lstStyle>
           <a:p>
             <a:r>
-              <a:rPr lang="en-US" smtClean="0"/>
+              <a:rPr lang="en-US"/>
               <a:t>Click to edit Master title style</a:t>
             </a:r>
-            <a:endParaRPr lang="en-US"/>
           </a:p>
         </p:txBody>
       </p:sp>
@@ -2507,7 +2481,7 @@
           <a:p>
             <a:pPr lvl="0"/>
             <a:r>
-              <a:rPr lang="en-US" smtClean="0"/>
+              <a:rPr lang="en-US"/>
               <a:t>Click to edit Master text styles</a:t>
             </a:r>
           </a:p>
@@ -2531,7 +2505,7 @@
             <a:fld id="{1D8BD707-D9CF-40AE-B4C6-C98DA3205C09}" type="datetimeFigureOut">
               <a:rPr lang="en-US" smtClean="0"/>
               <a:pPr/>
-              <a:t>11/14/2025</a:t>
+              <a:t>11/17/2025</a:t>
             </a:fld>
             <a:endParaRPr lang="en-US"/>
           </a:p>
@@ -2636,10 +2610,9 @@
           <a:lstStyle/>
           <a:p>
             <a:r>
-              <a:rPr lang="en-US" smtClean="0"/>
+              <a:rPr lang="en-US"/>
               <a:t>Click to edit Master title style</a:t>
             </a:r>
-            <a:endParaRPr lang="en-US"/>
           </a:p>
         </p:txBody>
       </p:sp>
@@ -2670,38 +2643,37 @@
           <a:p>
             <a:pPr lvl="0"/>
             <a:r>
-              <a:rPr lang="en-US" smtClean="0"/>
+              <a:rPr lang="en-US"/>
               <a:t>Click to edit Master text styles</a:t>
             </a:r>
           </a:p>
           <a:p>
             <a:pPr lvl="1"/>
             <a:r>
-              <a:rPr lang="en-US" smtClean="0"/>
+              <a:rPr lang="en-US"/>
               <a:t>Second level</a:t>
             </a:r>
           </a:p>
           <a:p>
             <a:pPr lvl="2"/>
             <a:r>
-              <a:rPr lang="en-US" smtClean="0"/>
+              <a:rPr lang="en-US"/>
               <a:t>Third level</a:t>
             </a:r>
           </a:p>
           <a:p>
             <a:pPr lvl="3"/>
             <a:r>
-              <a:rPr lang="en-US" smtClean="0"/>
+              <a:rPr lang="en-US"/>
               <a:t>Fourth level</a:t>
             </a:r>
           </a:p>
           <a:p>
             <a:pPr lvl="4"/>
             <a:r>
-              <a:rPr lang="en-US" smtClean="0"/>
+              <a:rPr lang="en-US"/>
               <a:t>Fifth level</a:t>
             </a:r>
-            <a:endParaRPr lang="en-US"/>
           </a:p>
         </p:txBody>
       </p:sp>
@@ -2741,7 +2713,7 @@
             <a:fld id="{1D8BD707-D9CF-40AE-B4C6-C98DA3205C09}" type="datetimeFigureOut">
               <a:rPr lang="en-US" smtClean="0"/>
               <a:pPr/>
-              <a:t>11/14/2025</a:t>
+              <a:t>11/17/2025</a:t>
             </a:fld>
             <a:endParaRPr lang="en-US"/>
           </a:p>
@@ -3154,7 +3126,7 @@
             <a:blip r:embed="rId2">
               <a:extLst>
                 <a:ext uri="{96DAC541-7B7A-43D3-8B79-37D633B846F1}">
-                  <asvg:svgBlip xmlns:asvg="http://schemas.microsoft.com/office/drawing/2016/SVG/main" xmlns="" r:embed="rId3"/>
+                  <asvg:svgBlip xmlns:asvg="http://schemas.microsoft.com/office/drawing/2016/SVG/main" r:embed="rId3"/>
                 </a:ext>
               </a:extLst>
             </a:blip>
@@ -3206,7 +3178,7 @@
             <a:blip r:embed="rId4">
               <a:extLst>
                 <a:ext uri="{96DAC541-7B7A-43D3-8B79-37D633B846F1}">
-                  <asvg:svgBlip xmlns:asvg="http://schemas.microsoft.com/office/drawing/2016/SVG/main" xmlns="" r:embed="rId5"/>
+                  <asvg:svgBlip xmlns:asvg="http://schemas.microsoft.com/office/drawing/2016/SVG/main" r:embed="rId5"/>
                 </a:ext>
               </a:extLst>
             </a:blip>
@@ -3474,7 +3446,7 @@
             <a:blip r:embed="rId6">
               <a:extLst>
                 <a:ext uri="{96DAC541-7B7A-43D3-8B79-37D633B846F1}">
-                  <asvg:svgBlip xmlns:asvg="http://schemas.microsoft.com/office/drawing/2016/SVG/main" xmlns="" r:embed="rId7"/>
+                  <asvg:svgBlip xmlns:asvg="http://schemas.microsoft.com/office/drawing/2016/SVG/main" r:embed="rId7"/>
                 </a:ext>
               </a:extLst>
             </a:blip>
@@ -3599,8 +3571,8 @@
         </p:nvSpPr>
         <p:spPr>
           <a:xfrm>
-            <a:off x="2112103" y="0"/>
-            <a:ext cx="14063793" cy="7578263"/>
+            <a:off x="952500" y="-5443"/>
+            <a:ext cx="16383000" cy="8648699"/>
           </a:xfrm>
           <a:custGeom>
             <a:avLst/>
@@ -3645,15 +3617,15 @@
         </p:nvSpPr>
         <p:spPr>
           <a:xfrm>
-            <a:off x="2112103" y="7502063"/>
-            <a:ext cx="13133627" cy="3313535"/>
+            <a:off x="3886200" y="8648699"/>
+            <a:ext cx="11359530" cy="1985928"/>
           </a:xfrm>
           <a:prstGeom prst="rect">
             <a:avLst/>
           </a:prstGeom>
         </p:spPr>
         <p:txBody>
-          <a:bodyPr lIns="0" tIns="0" rIns="0" bIns="0" rtlCol="0" anchor="t">
+          <a:bodyPr wrap="square" lIns="0" tIns="0" rIns="0" bIns="0" rtlCol="0" anchor="t">
             <a:spAutoFit/>
           </a:bodyPr>
           <a:lstStyle/>
@@ -3664,7 +3636,7 @@
               </a:lnSpc>
             </a:pPr>
             <a:r>
-              <a:rPr lang="en-US" sz="3795" spc="-185">
+              <a:rPr lang="en-US" sz="2800" spc="-185" dirty="0">
                 <a:solidFill>
                   <a:srgbClr val="000000"/>
                 </a:solidFill>
@@ -3682,24 +3654,8 @@
                 <a:spcPts val="5314"/>
               </a:lnSpc>
             </a:pPr>
-            <a:endParaRPr lang="en-US" sz="3795" spc="-185">
-              <a:solidFill>
-                <a:srgbClr val="000000"/>
-              </a:solidFill>
-              <a:latin typeface="TT Interphases"/>
-              <a:ea typeface="TT Interphases"/>
-              <a:cs typeface="TT Interphases"/>
-              <a:sym typeface="TT Interphases"/>
-            </a:endParaRPr>
-          </a:p>
-          <a:p>
-            <a:pPr algn="l">
-              <a:lnSpc>
-                <a:spcPts val="5314"/>
-              </a:lnSpc>
-            </a:pPr>
-            <a:r>
-              <a:rPr lang="en-US" sz="3795" spc="-185">
+            <a:r>
+              <a:rPr lang="en-US" sz="2800" spc="-185" dirty="0">
                 <a:solidFill>
                   <a:srgbClr val="000000"/>
                 </a:solidFill>
@@ -3720,7 +3676,7 @@
                 <a:spcPct val="0"/>
               </a:spcBef>
             </a:pPr>
-            <a:endParaRPr lang="en-US" sz="3795" spc="-185">
+            <a:endParaRPr lang="en-US" sz="3795" spc="-185" dirty="0">
               <a:solidFill>
                 <a:srgbClr val="000000"/>
               </a:solidFill>
@@ -3799,7 +3755,7 @@
             <a:blip r:embed="rId2">
               <a:extLst>
                 <a:ext uri="{96DAC541-7B7A-43D3-8B79-37D633B846F1}">
-                  <asvg:svgBlip xmlns:asvg="http://schemas.microsoft.com/office/drawing/2016/SVG/main" xmlns="" r:embed="rId3"/>
+                  <asvg:svgBlip xmlns:asvg="http://schemas.microsoft.com/office/drawing/2016/SVG/main" r:embed="rId3"/>
                 </a:ext>
               </a:extLst>
             </a:blip>
@@ -3851,7 +3807,7 @@
             <a:blip r:embed="rId4">
               <a:extLst>
                 <a:ext uri="{96DAC541-7B7A-43D3-8B79-37D633B846F1}">
-                  <asvg:svgBlip xmlns:asvg="http://schemas.microsoft.com/office/drawing/2016/SVG/main" xmlns="" r:embed="rId5"/>
+                  <asvg:svgBlip xmlns:asvg="http://schemas.microsoft.com/office/drawing/2016/SVG/main" r:embed="rId5"/>
                 </a:ext>
               </a:extLst>
             </a:blip>
@@ -4215,7 +4171,7 @@
             <a:blip r:embed="rId2">
               <a:extLst>
                 <a:ext uri="{96DAC541-7B7A-43D3-8B79-37D633B846F1}">
-                  <asvg:svgBlip xmlns:asvg="http://schemas.microsoft.com/office/drawing/2016/SVG/main" xmlns="" r:embed="rId3"/>
+                  <asvg:svgBlip xmlns:asvg="http://schemas.microsoft.com/office/drawing/2016/SVG/main" r:embed="rId3"/>
                 </a:ext>
               </a:extLst>
             </a:blip>
@@ -4267,7 +4223,7 @@
             <a:blip r:embed="rId4">
               <a:extLst>
                 <a:ext uri="{96DAC541-7B7A-43D3-8B79-37D633B846F1}">
-                  <asvg:svgBlip xmlns:asvg="http://schemas.microsoft.com/office/drawing/2016/SVG/main" xmlns="" r:embed="rId5"/>
+                  <asvg:svgBlip xmlns:asvg="http://schemas.microsoft.com/office/drawing/2016/SVG/main" r:embed="rId5"/>
                 </a:ext>
               </a:extLst>
             </a:blip>
@@ -4442,7 +4398,7 @@
             <a:blip r:embed="rId6">
               <a:extLst>
                 <a:ext uri="{96DAC541-7B7A-43D3-8B79-37D633B846F1}">
-                  <asvg:svgBlip xmlns:asvg="http://schemas.microsoft.com/office/drawing/2016/SVG/main" xmlns="" r:embed="rId7"/>
+                  <asvg:svgBlip xmlns:asvg="http://schemas.microsoft.com/office/drawing/2016/SVG/main" r:embed="rId7"/>
                 </a:ext>
               </a:extLst>
             </a:blip>
@@ -4519,7 +4475,7 @@
             <a:blip r:embed="rId2">
               <a:extLst>
                 <a:ext uri="{96DAC541-7B7A-43D3-8B79-37D633B846F1}">
-                  <asvg:svgBlip xmlns:asvg="http://schemas.microsoft.com/office/drawing/2016/SVG/main" xmlns="" r:embed="rId3"/>
+                  <asvg:svgBlip xmlns:asvg="http://schemas.microsoft.com/office/drawing/2016/SVG/main" r:embed="rId3"/>
                 </a:ext>
               </a:extLst>
             </a:blip>
@@ -4571,7 +4527,7 @@
             <a:blip r:embed="rId4">
               <a:extLst>
                 <a:ext uri="{96DAC541-7B7A-43D3-8B79-37D633B846F1}">
-                  <asvg:svgBlip xmlns:asvg="http://schemas.microsoft.com/office/drawing/2016/SVG/main" xmlns="" r:embed="rId5"/>
+                  <asvg:svgBlip xmlns:asvg="http://schemas.microsoft.com/office/drawing/2016/SVG/main" r:embed="rId5"/>
                 </a:ext>
               </a:extLst>
             </a:blip>
@@ -4730,7 +4686,7 @@
             <a:blip r:embed="rId2">
               <a:extLst>
                 <a:ext uri="{96DAC541-7B7A-43D3-8B79-37D633B846F1}">
-                  <asvg:svgBlip xmlns:asvg="http://schemas.microsoft.com/office/drawing/2016/SVG/main" xmlns="" r:embed="rId3"/>
+                  <asvg:svgBlip xmlns:asvg="http://schemas.microsoft.com/office/drawing/2016/SVG/main" r:embed="rId3"/>
                 </a:ext>
               </a:extLst>
             </a:blip>
@@ -4782,7 +4738,7 @@
             <a:blip r:embed="rId4">
               <a:extLst>
                 <a:ext uri="{96DAC541-7B7A-43D3-8B79-37D633B846F1}">
-                  <asvg:svgBlip xmlns:asvg="http://schemas.microsoft.com/office/drawing/2016/SVG/main" xmlns="" r:embed="rId5"/>
+                  <asvg:svgBlip xmlns:asvg="http://schemas.microsoft.com/office/drawing/2016/SVG/main" r:embed="rId5"/>
                 </a:ext>
               </a:extLst>
             </a:blip>
@@ -4834,7 +4790,7 @@
             <a:blip r:embed="rId6">
               <a:extLst>
                 <a:ext uri="{96DAC541-7B7A-43D3-8B79-37D633B846F1}">
-                  <asvg:svgBlip xmlns:asvg="http://schemas.microsoft.com/office/drawing/2016/SVG/main" xmlns="" r:embed="rId7"/>
+                  <asvg:svgBlip xmlns:asvg="http://schemas.microsoft.com/office/drawing/2016/SVG/main" r:embed="rId7"/>
                 </a:ext>
               </a:extLst>
             </a:blip>
@@ -5034,7 +4990,7 @@
             <a:blip r:embed="rId2">
               <a:extLst>
                 <a:ext uri="{96DAC541-7B7A-43D3-8B79-37D633B846F1}">
-                  <asvg:svgBlip xmlns:asvg="http://schemas.microsoft.com/office/drawing/2016/SVG/main" xmlns="" r:embed="rId3"/>
+                  <asvg:svgBlip xmlns:asvg="http://schemas.microsoft.com/office/drawing/2016/SVG/main" r:embed="rId3"/>
                 </a:ext>
               </a:extLst>
             </a:blip>
@@ -5086,7 +5042,7 @@
             <a:blip r:embed="rId4">
               <a:extLst>
                 <a:ext uri="{96DAC541-7B7A-43D3-8B79-37D633B846F1}">
-                  <asvg:svgBlip xmlns:asvg="http://schemas.microsoft.com/office/drawing/2016/SVG/main" xmlns="" r:embed="rId5"/>
+                  <asvg:svgBlip xmlns:asvg="http://schemas.microsoft.com/office/drawing/2016/SVG/main" r:embed="rId5"/>
                 </a:ext>
               </a:extLst>
             </a:blip>
@@ -5368,7 +5324,7 @@
             <a:blip r:embed="rId2">
               <a:extLst>
                 <a:ext uri="{96DAC541-7B7A-43D3-8B79-37D633B846F1}">
-                  <asvg:svgBlip xmlns:asvg="http://schemas.microsoft.com/office/drawing/2016/SVG/main" xmlns="" r:embed="rId3"/>
+                  <asvg:svgBlip xmlns:asvg="http://schemas.microsoft.com/office/drawing/2016/SVG/main" r:embed="rId3"/>
                 </a:ext>
               </a:extLst>
             </a:blip>
@@ -5420,7 +5376,7 @@
             <a:blip r:embed="rId4">
               <a:extLst>
                 <a:ext uri="{96DAC541-7B7A-43D3-8B79-37D633B846F1}">
-                  <asvg:svgBlip xmlns:asvg="http://schemas.microsoft.com/office/drawing/2016/SVG/main" xmlns="" r:embed="rId5"/>
+                  <asvg:svgBlip xmlns:asvg="http://schemas.microsoft.com/office/drawing/2016/SVG/main" r:embed="rId5"/>
                 </a:ext>
               </a:extLst>
             </a:blip>
@@ -5472,7 +5428,7 @@
             <a:blip r:embed="rId6">
               <a:extLst>
                 <a:ext uri="{96DAC541-7B7A-43D3-8B79-37D633B846F1}">
-                  <asvg:svgBlip xmlns:asvg="http://schemas.microsoft.com/office/drawing/2016/SVG/main" xmlns="" r:embed="rId7"/>
+                  <asvg:svgBlip xmlns:asvg="http://schemas.microsoft.com/office/drawing/2016/SVG/main" r:embed="rId7"/>
                 </a:ext>
               </a:extLst>
             </a:blip>
@@ -5490,7 +5446,7 @@
         </p:nvSpPr>
         <p:spPr>
           <a:xfrm>
-            <a:off x="1028700" y="2734845"/>
+            <a:off x="1006928" y="1585020"/>
             <a:ext cx="9601274" cy="1054610"/>
           </a:xfrm>
           <a:prstGeom prst="rect">
@@ -5509,7 +5465,7 @@
               </a:lnSpc>
             </a:pPr>
             <a:r>
-              <a:rPr lang="en-US" sz="8800" spc="-431">
+              <a:rPr lang="en-US" sz="8800" spc="-431" dirty="0">
                 <a:solidFill>
                   <a:srgbClr val="000000"/>
                 </a:solidFill>
@@ -5572,8 +5528,8 @@
         </p:nvSpPr>
         <p:spPr>
           <a:xfrm>
-            <a:off x="1209418" y="4263032"/>
-            <a:ext cx="7376823" cy="5539978"/>
+            <a:off x="1028700" y="2639630"/>
+            <a:ext cx="7376823" cy="6427914"/>
           </a:xfrm>
           <a:prstGeom prst="rect">
             <a:avLst/>
@@ -5655,7 +5611,7 @@
             </a:endParaRPr>
           </a:p>
           <a:p>
-            <a:pPr marL="561337" lvl="1" indent="-280669" algn="l">
+            <a:pPr marL="561337" lvl="1" indent="-280669">
               <a:lnSpc>
                 <a:spcPts val="3639"/>
               </a:lnSpc>
@@ -5663,7 +5619,7 @@
               <a:buChar char="•"/>
             </a:pPr>
             <a:r>
-              <a:rPr lang="en-US" sz="2599" u="sng" spc="-127" dirty="0">
+              <a:rPr lang="en-US" sz="2000" u="sng" spc="-127" dirty="0">
                 <a:solidFill>
                   <a:srgbClr val="000000"/>
                 </a:solidFill>
@@ -5672,10 +5628,10 @@
                 <a:cs typeface="TT Interphases"/>
                 <a:sym typeface="TT Interphases"/>
               </a:rPr>
-              <a:t>Box Office </a:t>
-            </a:r>
-            <a:r>
-              <a:rPr lang="en-US" sz="2599" u="sng" spc="-127" dirty="0" smtClean="0">
+              <a:t>Box Office Mojo - </a:t>
+            </a:r>
+            <a:r>
+              <a:rPr lang="en-US" sz="2000" spc="-127" dirty="0">
                 <a:solidFill>
                   <a:srgbClr val="000000"/>
                 </a:solidFill>
@@ -5684,11 +5640,11 @@
                 <a:cs typeface="TT Interphases"/>
                 <a:sym typeface="TT Interphases"/>
               </a:rPr>
-              <a:t>Mojo</a:t>
-            </a:r>
-          </a:p>
-          <a:p>
-            <a:pPr marL="561337" lvl="1" indent="-280669" algn="l">
+              <a:t> a website that tracks box office revenue for films, providing detailed statistics and analysis of movie earnings</a:t>
+            </a:r>
+          </a:p>
+          <a:p>
+            <a:pPr marL="561337" lvl="1" indent="-280669">
               <a:lnSpc>
                 <a:spcPts val="3639"/>
               </a:lnSpc>
@@ -5696,7 +5652,7 @@
               <a:buChar char="•"/>
             </a:pPr>
             <a:r>
-              <a:rPr lang="en-US" sz="2599" u="sng" spc="-127" dirty="0" smtClean="0">
+              <a:rPr lang="en-US" sz="2000" u="sng" spc="-127" dirty="0">
                 <a:solidFill>
                   <a:srgbClr val="000000"/>
                 </a:solidFill>
@@ -5706,21 +5662,11 @@
                 <a:sym typeface="TT Interphases"/>
                 <a:hlinkClick r:id="rId8" tooltip="https://www.imdb.com"/>
               </a:rPr>
-              <a:t>IMDB</a:t>
-            </a:r>
-            <a:endParaRPr lang="en-US" sz="2599" u="sng" spc="-127" dirty="0">
-              <a:solidFill>
-                <a:srgbClr val="000000"/>
-              </a:solidFill>
-              <a:latin typeface="TT Interphases"/>
-              <a:ea typeface="TT Interphases"/>
-              <a:cs typeface="TT Interphases"/>
-              <a:sym typeface="TT Interphases"/>
-              <a:hlinkClick r:id="rId8" tooltip="https://www.imdb.com"/>
-            </a:endParaRPr>
-          </a:p>
-          <a:p>
-            <a:pPr marL="561337" lvl="1" indent="-280669" algn="l">
+              <a:t>IMDB -  an online database of information related to films, television series, podcasts, video games, and streaming content online </a:t>
+            </a:r>
+          </a:p>
+          <a:p>
+            <a:pPr marL="561337" lvl="1" indent="-280669">
               <a:lnSpc>
                 <a:spcPts val="3639"/>
               </a:lnSpc>
@@ -5728,7 +5674,7 @@
               <a:buChar char="•"/>
             </a:pPr>
             <a:r>
-              <a:rPr lang="en-US" sz="2599" u="sng" spc="-127" dirty="0">
+              <a:rPr lang="en-US" sz="2000" u="sng" spc="-127" dirty="0">
                 <a:solidFill>
                   <a:srgbClr val="000000"/>
                 </a:solidFill>
@@ -5738,34 +5684,11 @@
                 <a:sym typeface="TT Interphases"/>
                 <a:hlinkClick r:id="rId9" tooltip="https://www.rottentomatoes.com"/>
               </a:rPr>
-              <a:t>Rotten </a:t>
-            </a:r>
-            <a:r>
-              <a:rPr lang="en-US" sz="2599" u="sng" spc="-127" dirty="0" smtClean="0">
-                <a:solidFill>
-                  <a:srgbClr val="000000"/>
-                </a:solidFill>
-                <a:latin typeface="TT Interphases"/>
-                <a:ea typeface="TT Interphases"/>
-                <a:cs typeface="TT Interphases"/>
-                <a:sym typeface="TT Interphases"/>
-                <a:hlinkClick r:id="rId9" tooltip="https://www.rottentomatoes.com"/>
-              </a:rPr>
-              <a:t>Tomatoes</a:t>
-            </a:r>
-            <a:endParaRPr lang="en-US" sz="2599" u="sng" spc="-127" dirty="0">
-              <a:solidFill>
-                <a:srgbClr val="000000"/>
-              </a:solidFill>
-              <a:latin typeface="TT Interphases"/>
-              <a:ea typeface="TT Interphases"/>
-              <a:cs typeface="TT Interphases"/>
-              <a:sym typeface="TT Interphases"/>
-              <a:hlinkClick r:id="rId9" tooltip="https://www.rottentomatoes.com"/>
-            </a:endParaRPr>
-          </a:p>
-          <a:p>
-            <a:pPr marL="561337" lvl="1" indent="-280669" algn="l">
+              <a:t>Rotten Tomatoes-  review-aggregation website for film and television.</a:t>
+            </a:r>
+          </a:p>
+          <a:p>
+            <a:pPr marL="561337" lvl="1" indent="-280669">
               <a:lnSpc>
                 <a:spcPts val="3639"/>
               </a:lnSpc>
@@ -5773,7 +5696,7 @@
               <a:buChar char="•"/>
             </a:pPr>
             <a:r>
-              <a:rPr lang="en-US" sz="2599" u="sng" spc="-127" dirty="0" err="1" smtClean="0">
+              <a:rPr lang="en-US" sz="2000" u="sng" spc="-127" dirty="0" err="1">
                 <a:solidFill>
                   <a:srgbClr val="000000"/>
                 </a:solidFill>
@@ -5785,16 +5708,19 @@
               </a:rPr>
               <a:t>TheMovieDB</a:t>
             </a:r>
-            <a:endParaRPr lang="en-US" sz="2599" u="sng" spc="-127" dirty="0">
-              <a:solidFill>
-                <a:srgbClr val="000000"/>
-              </a:solidFill>
-              <a:latin typeface="TT Interphases"/>
-              <a:ea typeface="TT Interphases"/>
-              <a:cs typeface="TT Interphases"/>
-              <a:sym typeface="TT Interphases"/>
-              <a:hlinkClick r:id="rId10" tooltip="https://www.themoviedb.org"/>
-            </a:endParaRPr>
+            <a:r>
+              <a:rPr lang="en-US" sz="2000" u="sng" spc="-127" dirty="0">
+                <a:solidFill>
+                  <a:srgbClr val="000000"/>
+                </a:solidFill>
+                <a:latin typeface="TT Interphases"/>
+                <a:ea typeface="TT Interphases"/>
+                <a:cs typeface="TT Interphases"/>
+                <a:sym typeface="TT Interphases"/>
+                <a:hlinkClick r:id="rId10" tooltip="https://www.themoviedb.org"/>
+              </a:rPr>
+              <a:t> - a community-built movie and TV database</a:t>
+            </a:r>
           </a:p>
           <a:p>
             <a:pPr marL="561337" lvl="1" indent="-280669" algn="l">
@@ -5805,7 +5731,7 @@
               <a:buChar char="•"/>
             </a:pPr>
             <a:r>
-              <a:rPr lang="en-US" sz="2599" u="sng" spc="-127" dirty="0">
+              <a:rPr lang="en-US" sz="2000" u="sng" spc="-127" dirty="0">
                 <a:solidFill>
                   <a:srgbClr val="000000"/>
                 </a:solidFill>
@@ -5815,31 +5741,8 @@
                 <a:sym typeface="TT Interphases"/>
                 <a:hlinkClick r:id="rId11" tooltip="https://www.the-numbers.com"/>
               </a:rPr>
-              <a:t>The </a:t>
-            </a:r>
-            <a:r>
-              <a:rPr lang="en-US" sz="2599" u="sng" spc="-127" dirty="0" smtClean="0">
-                <a:solidFill>
-                  <a:srgbClr val="000000"/>
-                </a:solidFill>
-                <a:latin typeface="TT Interphases"/>
-                <a:ea typeface="TT Interphases"/>
-                <a:cs typeface="TT Interphases"/>
-                <a:sym typeface="TT Interphases"/>
-                <a:hlinkClick r:id="rId11" tooltip="https://www.the-numbers.com"/>
-              </a:rPr>
-              <a:t>Numbers</a:t>
-            </a:r>
-            <a:endParaRPr lang="en-US" sz="2599" u="sng" spc="-127" dirty="0">
-              <a:solidFill>
-                <a:srgbClr val="000000"/>
-              </a:solidFill>
-              <a:latin typeface="TT Interphases"/>
-              <a:ea typeface="TT Interphases"/>
-              <a:cs typeface="TT Interphases"/>
-              <a:sym typeface="TT Interphases"/>
-              <a:hlinkClick r:id="rId11" tooltip="https://www.the-numbers.com"/>
-            </a:endParaRPr>
+              <a:t>The Numbers</a:t>
+            </a:r>
           </a:p>
           <a:p>
             <a:pPr algn="l">
@@ -5927,7 +5830,7 @@
             <a:blip r:embed="rId2">
               <a:extLst>
                 <a:ext uri="{96DAC541-7B7A-43D3-8B79-37D633B846F1}">
-                  <asvg:svgBlip xmlns:asvg="http://schemas.microsoft.com/office/drawing/2016/SVG/main" xmlns="" r:embed="rId3"/>
+                  <asvg:svgBlip xmlns:asvg="http://schemas.microsoft.com/office/drawing/2016/SVG/main" r:embed="rId3"/>
                 </a:ext>
               </a:extLst>
             </a:blip>
@@ -5979,7 +5882,7 @@
             <a:blip r:embed="rId4">
               <a:extLst>
                 <a:ext uri="{96DAC541-7B7A-43D3-8B79-37D633B846F1}">
-                  <asvg:svgBlip xmlns:asvg="http://schemas.microsoft.com/office/drawing/2016/SVG/main" xmlns="" r:embed="rId5"/>
+                  <asvg:svgBlip xmlns:asvg="http://schemas.microsoft.com/office/drawing/2016/SVG/main" r:embed="rId5"/>
                 </a:ext>
               </a:extLst>
             </a:blip>
@@ -6113,7 +6016,7 @@
             <a:blip r:embed="rId6">
               <a:extLst>
                 <a:ext uri="{96DAC541-7B7A-43D3-8B79-37D633B846F1}">
-                  <asvg:svgBlip xmlns:asvg="http://schemas.microsoft.com/office/drawing/2016/SVG/main" xmlns="" r:embed="rId7"/>
+                  <asvg:svgBlip xmlns:asvg="http://schemas.microsoft.com/office/drawing/2016/SVG/main" r:embed="rId7"/>
                 </a:ext>
               </a:extLst>
             </a:blip>
@@ -6297,7 +6200,7 @@
             <a:blip r:embed="rId2">
               <a:extLst>
                 <a:ext uri="{96DAC541-7B7A-43D3-8B79-37D633B846F1}">
-                  <asvg:svgBlip xmlns:asvg="http://schemas.microsoft.com/office/drawing/2016/SVG/main" xmlns="" r:embed="rId3"/>
+                  <asvg:svgBlip xmlns:asvg="http://schemas.microsoft.com/office/drawing/2016/SVG/main" r:embed="rId3"/>
                 </a:ext>
               </a:extLst>
             </a:blip>
@@ -6349,7 +6252,7 @@
             <a:blip r:embed="rId4">
               <a:extLst>
                 <a:ext uri="{96DAC541-7B7A-43D3-8B79-37D633B846F1}">
-                  <asvg:svgBlip xmlns:asvg="http://schemas.microsoft.com/office/drawing/2016/SVG/main" xmlns="" r:embed="rId5"/>
+                  <asvg:svgBlip xmlns:asvg="http://schemas.microsoft.com/office/drawing/2016/SVG/main" r:embed="rId5"/>
                 </a:ext>
               </a:extLst>
             </a:blip>
@@ -6678,7 +6581,7 @@
             <a:blip r:embed="rId2">
               <a:extLst>
                 <a:ext uri="{96DAC541-7B7A-43D3-8B79-37D633B846F1}">
-                  <asvg:svgBlip xmlns:asvg="http://schemas.microsoft.com/office/drawing/2016/SVG/main" xmlns="" r:embed="rId3"/>
+                  <asvg:svgBlip xmlns:asvg="http://schemas.microsoft.com/office/drawing/2016/SVG/main" r:embed="rId3"/>
                 </a:ext>
               </a:extLst>
             </a:blip>
@@ -6730,7 +6633,7 @@
             <a:blip r:embed="rId4">
               <a:extLst>
                 <a:ext uri="{96DAC541-7B7A-43D3-8B79-37D633B846F1}">
-                  <asvg:svgBlip xmlns:asvg="http://schemas.microsoft.com/office/drawing/2016/SVG/main" xmlns="" r:embed="rId5"/>
+                  <asvg:svgBlip xmlns:asvg="http://schemas.microsoft.com/office/drawing/2016/SVG/main" r:embed="rId5"/>
                 </a:ext>
               </a:extLst>
             </a:blip>
@@ -7110,7 +7013,7 @@
             <a:blip r:embed="rId4">
               <a:extLst>
                 <a:ext uri="{96DAC541-7B7A-43D3-8B79-37D633B846F1}">
-                  <asvg:svgBlip xmlns:asvg="http://schemas.microsoft.com/office/drawing/2016/SVG/main" xmlns="" r:embed="rId5"/>
+                  <asvg:svgBlip xmlns:asvg="http://schemas.microsoft.com/office/drawing/2016/SVG/main" r:embed="rId5"/>
                 </a:ext>
               </a:extLst>
             </a:blip>
@@ -7162,7 +7065,7 @@
             <a:blip r:embed="rId6">
               <a:extLst>
                 <a:ext uri="{96DAC541-7B7A-43D3-8B79-37D633B846F1}">
-                  <asvg:svgBlip xmlns:asvg="http://schemas.microsoft.com/office/drawing/2016/SVG/main" xmlns="" r:embed="rId7"/>
+                  <asvg:svgBlip xmlns:asvg="http://schemas.microsoft.com/office/drawing/2016/SVG/main" r:embed="rId7"/>
                 </a:ext>
               </a:extLst>
             </a:blip>
@@ -7205,8 +7108,8 @@
         </p:nvSpPr>
         <p:spPr>
           <a:xfrm>
-            <a:off x="1942188" y="826847"/>
-            <a:ext cx="9751512" cy="9113841"/>
+            <a:off x="1676400" y="826847"/>
+            <a:ext cx="10363200" cy="9193453"/>
           </a:xfrm>
           <a:custGeom>
             <a:avLst/>
@@ -7295,15 +7198,15 @@
         </p:nvSpPr>
         <p:spPr>
           <a:xfrm>
-            <a:off x="12072598" y="2669905"/>
-            <a:ext cx="5881339" cy="6022991"/>
+            <a:off x="13944600" y="2669905"/>
+            <a:ext cx="4009337" cy="6063968"/>
           </a:xfrm>
           <a:prstGeom prst="rect">
             <a:avLst/>
           </a:prstGeom>
         </p:spPr>
         <p:txBody>
-          <a:bodyPr lIns="0" tIns="0" rIns="0" bIns="0" rtlCol="0" anchor="t">
+          <a:bodyPr wrap="square" lIns="0" tIns="0" rIns="0" bIns="0" rtlCol="0" anchor="t">
             <a:spAutoFit/>
           </a:bodyPr>
           <a:lstStyle/>
@@ -7314,7 +7217,7 @@
               </a:lnSpc>
             </a:pPr>
             <a:r>
-              <a:rPr lang="en-US" sz="3795" spc="-185">
+              <a:rPr lang="en-US" sz="2800" spc="-185" dirty="0">
                 <a:solidFill>
                   <a:srgbClr val="000000"/>
                 </a:solidFill>
@@ -7332,7 +7235,7 @@
                 <a:spcPts val="5314"/>
               </a:lnSpc>
             </a:pPr>
-            <a:endParaRPr lang="en-US" sz="3795" spc="-185">
+            <a:endParaRPr lang="en-US" sz="2800" spc="-185" dirty="0">
               <a:solidFill>
                 <a:srgbClr val="000000"/>
               </a:solidFill>
@@ -7349,7 +7252,7 @@
               </a:lnSpc>
             </a:pPr>
             <a:r>
-              <a:rPr lang="en-US" sz="3795" spc="-185">
+              <a:rPr lang="en-US" sz="2800" spc="-185" dirty="0">
                 <a:solidFill>
                   <a:srgbClr val="000000"/>
                 </a:solidFill>
@@ -7367,7 +7270,7 @@
                 <a:spcPts val="5314"/>
               </a:lnSpc>
             </a:pPr>
-            <a:endParaRPr lang="en-US" sz="3795" spc="-185">
+            <a:endParaRPr lang="en-US" sz="3795" spc="-185" dirty="0">
               <a:solidFill>
                 <a:srgbClr val="000000"/>
               </a:solidFill>
@@ -7383,7 +7286,7 @@
                 <a:spcPts val="5314"/>
               </a:lnSpc>
             </a:pPr>
-            <a:endParaRPr lang="en-US" sz="3795" spc="-185">
+            <a:endParaRPr lang="en-US" sz="3795" spc="-185" dirty="0">
               <a:solidFill>
                 <a:srgbClr val="000000"/>
               </a:solidFill>
@@ -7399,7 +7302,7 @@
                 <a:spcPts val="5314"/>
               </a:lnSpc>
             </a:pPr>
-            <a:endParaRPr lang="en-US" sz="3795" spc="-185">
+            <a:endParaRPr lang="en-US" sz="3795" spc="-185" dirty="0">
               <a:solidFill>
                 <a:srgbClr val="000000"/>
               </a:solidFill>
@@ -7418,7 +7321,7 @@
                 <a:spcPct val="0"/>
               </a:spcBef>
             </a:pPr>
-            <a:endParaRPr lang="en-US" sz="3795" spc="-185">
+            <a:endParaRPr lang="en-US" sz="3795" spc="-185" dirty="0">
               <a:solidFill>
                 <a:srgbClr val="000000"/>
               </a:solidFill>
@@ -7463,8 +7366,8 @@
         </p:nvSpPr>
         <p:spPr>
           <a:xfrm>
-            <a:off x="1028700" y="603251"/>
-            <a:ext cx="10783537" cy="9377408"/>
+            <a:off x="1221618" y="603251"/>
+            <a:ext cx="11579982" cy="9683749"/>
           </a:xfrm>
           <a:custGeom>
             <a:avLst/>
@@ -7553,15 +7456,15 @@
         </p:nvSpPr>
         <p:spPr>
           <a:xfrm>
-            <a:off x="11812237" y="3270082"/>
-            <a:ext cx="6475763" cy="3661111"/>
+            <a:off x="13000167" y="3270082"/>
+            <a:ext cx="5287833" cy="2923493"/>
           </a:xfrm>
           <a:prstGeom prst="rect">
             <a:avLst/>
           </a:prstGeom>
         </p:spPr>
         <p:txBody>
-          <a:bodyPr lIns="0" tIns="0" rIns="0" bIns="0" rtlCol="0" anchor="t">
+          <a:bodyPr wrap="square" lIns="0" tIns="0" rIns="0" bIns="0" rtlCol="0" anchor="t">
             <a:spAutoFit/>
           </a:bodyPr>
           <a:lstStyle/>
@@ -7572,7 +7475,7 @@
               </a:lnSpc>
             </a:pPr>
             <a:r>
-              <a:rPr lang="en-US" sz="4192" spc="-205">
+              <a:rPr lang="en-US" sz="2800" spc="-205" dirty="0">
                 <a:solidFill>
                   <a:srgbClr val="000000"/>
                 </a:solidFill>
@@ -7590,7 +7493,7 @@
                 <a:spcPts val="5869"/>
               </a:lnSpc>
             </a:pPr>
-            <a:endParaRPr lang="en-US" sz="4192" spc="-205">
+            <a:endParaRPr lang="en-US" sz="2800" spc="-205" dirty="0">
               <a:solidFill>
                 <a:srgbClr val="000000"/>
               </a:solidFill>
@@ -7610,7 +7513,7 @@
               </a:spcBef>
             </a:pPr>
             <a:r>
-              <a:rPr lang="en-US" sz="4192" spc="-205">
+              <a:rPr lang="en-US" sz="2800" spc="-205" dirty="0">
                 <a:solidFill>
                   <a:srgbClr val="000000"/>
                 </a:solidFill>
